--- a/Chapter2/Figures/Fig21.pptx
+++ b/Chapter2/Figures/Fig21.pptx
@@ -7,14 +7,14 @@
   <p:sldIdLst>
     <p:sldId id="256" r:id="rId2"/>
   </p:sldIdLst>
-  <p:sldSz cx="8640763" cy="6840538"/>
+  <p:sldSz cx="5400675" cy="5580063"/>
   <p:notesSz cx="6858000" cy="9144000"/>
   <p:defaultTextStyle>
     <a:defPPr>
       <a:defRPr lang="en-US"/>
     </a:defPPr>
-    <a:lvl1pPr marL="0" algn="l" defTabSz="884591" rtl="0" eaLnBrk="1" latinLnBrk="0" hangingPunct="1">
-      <a:defRPr sz="1700" kern="1200">
+    <a:lvl1pPr marL="0" algn="l" defTabSz="647903" rtl="0" eaLnBrk="1" latinLnBrk="0" hangingPunct="1">
+      <a:defRPr sz="1300" kern="1200">
         <a:solidFill>
           <a:schemeClr val="tx1"/>
         </a:solidFill>
@@ -23,8 +23,8 @@
         <a:cs typeface="+mn-cs"/>
       </a:defRPr>
     </a:lvl1pPr>
-    <a:lvl2pPr marL="442295" algn="l" defTabSz="884591" rtl="0" eaLnBrk="1" latinLnBrk="0" hangingPunct="1">
-      <a:defRPr sz="1700" kern="1200">
+    <a:lvl2pPr marL="323951" algn="l" defTabSz="647903" rtl="0" eaLnBrk="1" latinLnBrk="0" hangingPunct="1">
+      <a:defRPr sz="1300" kern="1200">
         <a:solidFill>
           <a:schemeClr val="tx1"/>
         </a:solidFill>
@@ -33,8 +33,8 @@
         <a:cs typeface="+mn-cs"/>
       </a:defRPr>
     </a:lvl2pPr>
-    <a:lvl3pPr marL="884591" algn="l" defTabSz="884591" rtl="0" eaLnBrk="1" latinLnBrk="0" hangingPunct="1">
-      <a:defRPr sz="1700" kern="1200">
+    <a:lvl3pPr marL="647903" algn="l" defTabSz="647903" rtl="0" eaLnBrk="1" latinLnBrk="0" hangingPunct="1">
+      <a:defRPr sz="1300" kern="1200">
         <a:solidFill>
           <a:schemeClr val="tx1"/>
         </a:solidFill>
@@ -43,8 +43,8 @@
         <a:cs typeface="+mn-cs"/>
       </a:defRPr>
     </a:lvl3pPr>
-    <a:lvl4pPr marL="1326886" algn="l" defTabSz="884591" rtl="0" eaLnBrk="1" latinLnBrk="0" hangingPunct="1">
-      <a:defRPr sz="1700" kern="1200">
+    <a:lvl4pPr marL="971854" algn="l" defTabSz="647903" rtl="0" eaLnBrk="1" latinLnBrk="0" hangingPunct="1">
+      <a:defRPr sz="1300" kern="1200">
         <a:solidFill>
           <a:schemeClr val="tx1"/>
         </a:solidFill>
@@ -53,8 +53,8 @@
         <a:cs typeface="+mn-cs"/>
       </a:defRPr>
     </a:lvl4pPr>
-    <a:lvl5pPr marL="1769181" algn="l" defTabSz="884591" rtl="0" eaLnBrk="1" latinLnBrk="0" hangingPunct="1">
-      <a:defRPr sz="1700" kern="1200">
+    <a:lvl5pPr marL="1295804" algn="l" defTabSz="647903" rtl="0" eaLnBrk="1" latinLnBrk="0" hangingPunct="1">
+      <a:defRPr sz="1300" kern="1200">
         <a:solidFill>
           <a:schemeClr val="tx1"/>
         </a:solidFill>
@@ -63,8 +63,8 @@
         <a:cs typeface="+mn-cs"/>
       </a:defRPr>
     </a:lvl5pPr>
-    <a:lvl6pPr marL="2211476" algn="l" defTabSz="884591" rtl="0" eaLnBrk="1" latinLnBrk="0" hangingPunct="1">
-      <a:defRPr sz="1700" kern="1200">
+    <a:lvl6pPr marL="1619754" algn="l" defTabSz="647903" rtl="0" eaLnBrk="1" latinLnBrk="0" hangingPunct="1">
+      <a:defRPr sz="1300" kern="1200">
         <a:solidFill>
           <a:schemeClr val="tx1"/>
         </a:solidFill>
@@ -73,8 +73,8 @@
         <a:cs typeface="+mn-cs"/>
       </a:defRPr>
     </a:lvl6pPr>
-    <a:lvl7pPr marL="2653772" algn="l" defTabSz="884591" rtl="0" eaLnBrk="1" latinLnBrk="0" hangingPunct="1">
-      <a:defRPr sz="1700" kern="1200">
+    <a:lvl7pPr marL="1943707" algn="l" defTabSz="647903" rtl="0" eaLnBrk="1" latinLnBrk="0" hangingPunct="1">
+      <a:defRPr sz="1300" kern="1200">
         <a:solidFill>
           <a:schemeClr val="tx1"/>
         </a:solidFill>
@@ -83,8 +83,8 @@
         <a:cs typeface="+mn-cs"/>
       </a:defRPr>
     </a:lvl7pPr>
-    <a:lvl8pPr marL="3096067" algn="l" defTabSz="884591" rtl="0" eaLnBrk="1" latinLnBrk="0" hangingPunct="1">
-      <a:defRPr sz="1700" kern="1200">
+    <a:lvl8pPr marL="2267657" algn="l" defTabSz="647903" rtl="0" eaLnBrk="1" latinLnBrk="0" hangingPunct="1">
+      <a:defRPr sz="1300" kern="1200">
         <a:solidFill>
           <a:schemeClr val="tx1"/>
         </a:solidFill>
@@ -93,8 +93,8 @@
         <a:cs typeface="+mn-cs"/>
       </a:defRPr>
     </a:lvl8pPr>
-    <a:lvl9pPr marL="3538362" algn="l" defTabSz="884591" rtl="0" eaLnBrk="1" latinLnBrk="0" hangingPunct="1">
-      <a:defRPr sz="1700" kern="1200">
+    <a:lvl9pPr marL="2591608" algn="l" defTabSz="647903" rtl="0" eaLnBrk="1" latinLnBrk="0" hangingPunct="1">
+      <a:defRPr sz="1300" kern="1200">
         <a:solidFill>
           <a:schemeClr val="tx1"/>
         </a:solidFill>
@@ -136,8 +136,8 @@
         </p:nvSpPr>
         <p:spPr>
           <a:xfrm>
-            <a:off x="648057" y="2125001"/>
-            <a:ext cx="7344649" cy="1466282"/>
+            <a:off x="405052" y="1733436"/>
+            <a:ext cx="4590573" cy="1196098"/>
           </a:xfrm>
         </p:spPr>
         <p:txBody>
@@ -164,8 +164,8 @@
         </p:nvSpPr>
         <p:spPr>
           <a:xfrm>
-            <a:off x="1296115" y="3876305"/>
-            <a:ext cx="6048534" cy="1748137"/>
+            <a:off x="810102" y="3162037"/>
+            <a:ext cx="3780473" cy="1426016"/>
           </a:xfrm>
         </p:spPr>
         <p:txBody>
@@ -181,7 +181,7 @@
                 </a:solidFill>
               </a:defRPr>
             </a:lvl1pPr>
-            <a:lvl2pPr marL="442295" indent="0" algn="ctr">
+            <a:lvl2pPr marL="323951" indent="0" algn="ctr">
               <a:buNone/>
               <a:defRPr>
                 <a:solidFill>
@@ -191,7 +191,7 @@
                 </a:solidFill>
               </a:defRPr>
             </a:lvl2pPr>
-            <a:lvl3pPr marL="884591" indent="0" algn="ctr">
+            <a:lvl3pPr marL="647903" indent="0" algn="ctr">
               <a:buNone/>
               <a:defRPr>
                 <a:solidFill>
@@ -201,7 +201,7 @@
                 </a:solidFill>
               </a:defRPr>
             </a:lvl3pPr>
-            <a:lvl4pPr marL="1326886" indent="0" algn="ctr">
+            <a:lvl4pPr marL="971854" indent="0" algn="ctr">
               <a:buNone/>
               <a:defRPr>
                 <a:solidFill>
@@ -211,7 +211,7 @@
                 </a:solidFill>
               </a:defRPr>
             </a:lvl4pPr>
-            <a:lvl5pPr marL="1769181" indent="0" algn="ctr">
+            <a:lvl5pPr marL="1295804" indent="0" algn="ctr">
               <a:buNone/>
               <a:defRPr>
                 <a:solidFill>
@@ -221,7 +221,7 @@
                 </a:solidFill>
               </a:defRPr>
             </a:lvl5pPr>
-            <a:lvl6pPr marL="2211476" indent="0" algn="ctr">
+            <a:lvl6pPr marL="1619754" indent="0" algn="ctr">
               <a:buNone/>
               <a:defRPr>
                 <a:solidFill>
@@ -231,7 +231,7 @@
                 </a:solidFill>
               </a:defRPr>
             </a:lvl6pPr>
-            <a:lvl7pPr marL="2653772" indent="0" algn="ctr">
+            <a:lvl7pPr marL="1943707" indent="0" algn="ctr">
               <a:buNone/>
               <a:defRPr>
                 <a:solidFill>
@@ -241,7 +241,7 @@
                 </a:solidFill>
               </a:defRPr>
             </a:lvl7pPr>
-            <a:lvl8pPr marL="3096067" indent="0" algn="ctr">
+            <a:lvl8pPr marL="2267657" indent="0" algn="ctr">
               <a:buNone/>
               <a:defRPr>
                 <a:solidFill>
@@ -251,7 +251,7 @@
                 </a:solidFill>
               </a:defRPr>
             </a:lvl8pPr>
-            <a:lvl9pPr marL="3538362" indent="0" algn="ctr">
+            <a:lvl9pPr marL="2591608" indent="0" algn="ctr">
               <a:buNone/>
               <a:defRPr>
                 <a:solidFill>
@@ -288,7 +288,7 @@
           <a:p>
             <a:fld id="{30BB0822-4451-47E7-A0E9-186AA8DFE7DA}" type="datetimeFigureOut">
               <a:rPr lang="en-GB" smtClean="0"/>
-              <a:t>25/06/2014</a:t>
+              <a:t>11/07/2014</a:t>
             </a:fld>
             <a:endParaRPr lang="en-GB"/>
           </a:p>
@@ -458,7 +458,7 @@
           <a:p>
             <a:fld id="{30BB0822-4451-47E7-A0E9-186AA8DFE7DA}" type="datetimeFigureOut">
               <a:rPr lang="en-GB" smtClean="0"/>
-              <a:t>25/06/2014</a:t>
+              <a:t>11/07/2014</a:t>
             </a:fld>
             <a:endParaRPr lang="en-GB"/>
           </a:p>
@@ -548,8 +548,8 @@
         </p:nvSpPr>
         <p:spPr>
           <a:xfrm>
-            <a:off x="5921023" y="273939"/>
-            <a:ext cx="1836162" cy="5820791"/>
+            <a:off x="3700777" y="223463"/>
+            <a:ext cx="1147643" cy="4748221"/>
           </a:xfrm>
         </p:spPr>
         <p:txBody>
@@ -576,8 +576,8 @@
         </p:nvSpPr>
         <p:spPr>
           <a:xfrm>
-            <a:off x="408036" y="273939"/>
-            <a:ext cx="5368975" cy="5820791"/>
+            <a:off x="255033" y="223463"/>
+            <a:ext cx="3355733" cy="4748221"/>
           </a:xfrm>
         </p:spPr>
         <p:txBody>
@@ -638,7 +638,7 @@
           <a:p>
             <a:fld id="{30BB0822-4451-47E7-A0E9-186AA8DFE7DA}" type="datetimeFigureOut">
               <a:rPr lang="en-GB" smtClean="0"/>
-              <a:t>25/06/2014</a:t>
+              <a:t>11/07/2014</a:t>
             </a:fld>
             <a:endParaRPr lang="en-GB"/>
           </a:p>
@@ -808,7 +808,7 @@
           <a:p>
             <a:fld id="{30BB0822-4451-47E7-A0E9-186AA8DFE7DA}" type="datetimeFigureOut">
               <a:rPr lang="en-GB" smtClean="0"/>
-              <a:t>25/06/2014</a:t>
+              <a:t>11/07/2014</a:t>
             </a:fld>
             <a:endParaRPr lang="en-GB"/>
           </a:p>
@@ -898,15 +898,15 @@
         </p:nvSpPr>
         <p:spPr>
           <a:xfrm>
-            <a:off x="682561" y="4395679"/>
-            <a:ext cx="7344649" cy="1358607"/>
+            <a:off x="426617" y="3585708"/>
+            <a:ext cx="4590573" cy="1108262"/>
           </a:xfrm>
         </p:spPr>
         <p:txBody>
           <a:bodyPr anchor="t"/>
           <a:lstStyle>
             <a:lvl1pPr algn="l">
-              <a:defRPr sz="3900" b="1" cap="all"/>
+              <a:defRPr sz="2900" b="1" cap="all"/>
             </a:lvl1pPr>
           </a:lstStyle>
           <a:p>
@@ -930,8 +930,8 @@
         </p:nvSpPr>
         <p:spPr>
           <a:xfrm>
-            <a:off x="682561" y="2899312"/>
-            <a:ext cx="7344649" cy="1496367"/>
+            <a:off x="426617" y="2365070"/>
+            <a:ext cx="4590573" cy="1220639"/>
           </a:xfrm>
         </p:spPr>
         <p:txBody>
@@ -939,7 +939,7 @@
           <a:lstStyle>
             <a:lvl1pPr marL="0" indent="0">
               <a:buNone/>
-              <a:defRPr sz="1900">
+              <a:defRPr sz="1300">
                 <a:solidFill>
                   <a:schemeClr val="tx1">
                     <a:tint val="75000"/>
@@ -947,9 +947,9 @@
                 </a:solidFill>
               </a:defRPr>
             </a:lvl1pPr>
-            <a:lvl2pPr marL="442295" indent="0">
-              <a:buNone/>
-              <a:defRPr sz="1700">
+            <a:lvl2pPr marL="323951" indent="0">
+              <a:buNone/>
+              <a:defRPr sz="1300">
                 <a:solidFill>
                   <a:schemeClr val="tx1">
                     <a:tint val="75000"/>
@@ -957,9 +957,9 @@
                 </a:solidFill>
               </a:defRPr>
             </a:lvl2pPr>
-            <a:lvl3pPr marL="884591" indent="0">
-              <a:buNone/>
-              <a:defRPr sz="1500">
+            <a:lvl3pPr marL="647903" indent="0">
+              <a:buNone/>
+              <a:defRPr sz="1000">
                 <a:solidFill>
                   <a:schemeClr val="tx1">
                     <a:tint val="75000"/>
@@ -967,9 +967,9 @@
                 </a:solidFill>
               </a:defRPr>
             </a:lvl3pPr>
-            <a:lvl4pPr marL="1326886" indent="0">
-              <a:buNone/>
-              <a:defRPr sz="1400">
+            <a:lvl4pPr marL="971854" indent="0">
+              <a:buNone/>
+              <a:defRPr sz="1000">
                 <a:solidFill>
                   <a:schemeClr val="tx1">
                     <a:tint val="75000"/>
@@ -977,9 +977,9 @@
                 </a:solidFill>
               </a:defRPr>
             </a:lvl4pPr>
-            <a:lvl5pPr marL="1769181" indent="0">
-              <a:buNone/>
-              <a:defRPr sz="1400">
+            <a:lvl5pPr marL="1295804" indent="0">
+              <a:buNone/>
+              <a:defRPr sz="1000">
                 <a:solidFill>
                   <a:schemeClr val="tx1">
                     <a:tint val="75000"/>
@@ -987,9 +987,9 @@
                 </a:solidFill>
               </a:defRPr>
             </a:lvl5pPr>
-            <a:lvl6pPr marL="2211476" indent="0">
-              <a:buNone/>
-              <a:defRPr sz="1400">
+            <a:lvl6pPr marL="1619754" indent="0">
+              <a:buNone/>
+              <a:defRPr sz="1000">
                 <a:solidFill>
                   <a:schemeClr val="tx1">
                     <a:tint val="75000"/>
@@ -997,9 +997,9 @@
                 </a:solidFill>
               </a:defRPr>
             </a:lvl6pPr>
-            <a:lvl7pPr marL="2653772" indent="0">
-              <a:buNone/>
-              <a:defRPr sz="1400">
+            <a:lvl7pPr marL="1943707" indent="0">
+              <a:buNone/>
+              <a:defRPr sz="1000">
                 <a:solidFill>
                   <a:schemeClr val="tx1">
                     <a:tint val="75000"/>
@@ -1007,9 +1007,9 @@
                 </a:solidFill>
               </a:defRPr>
             </a:lvl7pPr>
-            <a:lvl8pPr marL="3096067" indent="0">
-              <a:buNone/>
-              <a:defRPr sz="1400">
+            <a:lvl8pPr marL="2267657" indent="0">
+              <a:buNone/>
+              <a:defRPr sz="1000">
                 <a:solidFill>
                   <a:schemeClr val="tx1">
                     <a:tint val="75000"/>
@@ -1017,9 +1017,9 @@
                 </a:solidFill>
               </a:defRPr>
             </a:lvl8pPr>
-            <a:lvl9pPr marL="3538362" indent="0">
-              <a:buNone/>
-              <a:defRPr sz="1400">
+            <a:lvl9pPr marL="2591608" indent="0">
+              <a:buNone/>
+              <a:defRPr sz="1000">
                 <a:solidFill>
                   <a:schemeClr val="tx1">
                     <a:tint val="75000"/>
@@ -1054,7 +1054,7 @@
           <a:p>
             <a:fld id="{30BB0822-4451-47E7-A0E9-186AA8DFE7DA}" type="datetimeFigureOut">
               <a:rPr lang="en-GB" smtClean="0"/>
-              <a:t>25/06/2014</a:t>
+              <a:t>11/07/2014</a:t>
             </a:fld>
             <a:endParaRPr lang="en-GB"/>
           </a:p>
@@ -1167,39 +1167,39 @@
         </p:nvSpPr>
         <p:spPr>
           <a:xfrm>
-            <a:off x="408036" y="1591376"/>
-            <a:ext cx="3601819" cy="4503354"/>
+            <a:off x="255032" y="1298143"/>
+            <a:ext cx="2251220" cy="3673541"/>
           </a:xfrm>
         </p:spPr>
         <p:txBody>
           <a:bodyPr/>
           <a:lstStyle>
             <a:lvl1pPr>
-              <a:defRPr sz="2700"/>
+              <a:defRPr sz="2000"/>
             </a:lvl1pPr>
             <a:lvl2pPr>
-              <a:defRPr sz="2300"/>
+              <a:defRPr sz="1700"/>
             </a:lvl2pPr>
             <a:lvl3pPr>
-              <a:defRPr sz="1900"/>
+              <a:defRPr sz="1300"/>
             </a:lvl3pPr>
             <a:lvl4pPr>
-              <a:defRPr sz="1700"/>
+              <a:defRPr sz="1300"/>
             </a:lvl4pPr>
             <a:lvl5pPr>
-              <a:defRPr sz="1700"/>
+              <a:defRPr sz="1300"/>
             </a:lvl5pPr>
             <a:lvl6pPr>
-              <a:defRPr sz="1700"/>
+              <a:defRPr sz="1300"/>
             </a:lvl6pPr>
             <a:lvl7pPr>
-              <a:defRPr sz="1700"/>
+              <a:defRPr sz="1300"/>
             </a:lvl7pPr>
             <a:lvl8pPr>
-              <a:defRPr sz="1700"/>
+              <a:defRPr sz="1300"/>
             </a:lvl8pPr>
             <a:lvl9pPr>
-              <a:defRPr sz="1700"/>
+              <a:defRPr sz="1300"/>
             </a:lvl9pPr>
           </a:lstStyle>
           <a:p>
@@ -1252,39 +1252,39 @@
         </p:nvSpPr>
         <p:spPr>
           <a:xfrm>
-            <a:off x="4153868" y="1591376"/>
-            <a:ext cx="3603318" cy="4503354"/>
+            <a:off x="2596264" y="1298143"/>
+            <a:ext cx="2252157" cy="3673541"/>
           </a:xfrm>
         </p:spPr>
         <p:txBody>
           <a:bodyPr/>
           <a:lstStyle>
             <a:lvl1pPr>
-              <a:defRPr sz="2700"/>
+              <a:defRPr sz="2000"/>
             </a:lvl1pPr>
             <a:lvl2pPr>
-              <a:defRPr sz="2300"/>
+              <a:defRPr sz="1700"/>
             </a:lvl2pPr>
             <a:lvl3pPr>
-              <a:defRPr sz="1900"/>
+              <a:defRPr sz="1300"/>
             </a:lvl3pPr>
             <a:lvl4pPr>
-              <a:defRPr sz="1700"/>
+              <a:defRPr sz="1300"/>
             </a:lvl4pPr>
             <a:lvl5pPr>
-              <a:defRPr sz="1700"/>
+              <a:defRPr sz="1300"/>
             </a:lvl5pPr>
             <a:lvl6pPr>
-              <a:defRPr sz="1700"/>
+              <a:defRPr sz="1300"/>
             </a:lvl6pPr>
             <a:lvl7pPr>
-              <a:defRPr sz="1700"/>
+              <a:defRPr sz="1300"/>
             </a:lvl7pPr>
             <a:lvl8pPr>
-              <a:defRPr sz="1700"/>
+              <a:defRPr sz="1300"/>
             </a:lvl8pPr>
             <a:lvl9pPr>
-              <a:defRPr sz="1700"/>
+              <a:defRPr sz="1300"/>
             </a:lvl9pPr>
           </a:lstStyle>
           <a:p>
@@ -1342,7 +1342,7 @@
           <a:p>
             <a:fld id="{30BB0822-4451-47E7-A0E9-186AA8DFE7DA}" type="datetimeFigureOut">
               <a:rPr lang="en-GB" smtClean="0"/>
-              <a:t>25/06/2014</a:t>
+              <a:t>11/07/2014</a:t>
             </a:fld>
             <a:endParaRPr lang="en-GB"/>
           </a:p>
@@ -1432,8 +1432,8 @@
         </p:nvSpPr>
         <p:spPr>
           <a:xfrm>
-            <a:off x="432038" y="273939"/>
-            <a:ext cx="7776687" cy="1140090"/>
+            <a:off x="270035" y="223464"/>
+            <a:ext cx="4860607" cy="930011"/>
           </a:xfrm>
         </p:spPr>
         <p:txBody>
@@ -1464,8 +1464,8 @@
         </p:nvSpPr>
         <p:spPr>
           <a:xfrm>
-            <a:off x="432038" y="1531204"/>
-            <a:ext cx="3817838" cy="638133"/>
+            <a:off x="270035" y="1249058"/>
+            <a:ext cx="2386236" cy="520547"/>
           </a:xfrm>
         </p:spPr>
         <p:txBody>
@@ -1473,39 +1473,39 @@
           <a:lstStyle>
             <a:lvl1pPr marL="0" indent="0">
               <a:buNone/>
-              <a:defRPr sz="2300" b="1"/>
+              <a:defRPr sz="1700" b="1"/>
             </a:lvl1pPr>
-            <a:lvl2pPr marL="442295" indent="0">
-              <a:buNone/>
-              <a:defRPr sz="1900" b="1"/>
+            <a:lvl2pPr marL="323951" indent="0">
+              <a:buNone/>
+              <a:defRPr sz="1300" b="1"/>
             </a:lvl2pPr>
-            <a:lvl3pPr marL="884591" indent="0">
-              <a:buNone/>
-              <a:defRPr sz="1700" b="1"/>
+            <a:lvl3pPr marL="647903" indent="0">
+              <a:buNone/>
+              <a:defRPr sz="1300" b="1"/>
             </a:lvl3pPr>
-            <a:lvl4pPr marL="1326886" indent="0">
-              <a:buNone/>
-              <a:defRPr sz="1500" b="1"/>
+            <a:lvl4pPr marL="971854" indent="0">
+              <a:buNone/>
+              <a:defRPr sz="1000" b="1"/>
             </a:lvl4pPr>
-            <a:lvl5pPr marL="1769181" indent="0">
-              <a:buNone/>
-              <a:defRPr sz="1500" b="1"/>
+            <a:lvl5pPr marL="1295804" indent="0">
+              <a:buNone/>
+              <a:defRPr sz="1000" b="1"/>
             </a:lvl5pPr>
-            <a:lvl6pPr marL="2211476" indent="0">
-              <a:buNone/>
-              <a:defRPr sz="1500" b="1"/>
+            <a:lvl6pPr marL="1619754" indent="0">
+              <a:buNone/>
+              <a:defRPr sz="1000" b="1"/>
             </a:lvl6pPr>
-            <a:lvl7pPr marL="2653772" indent="0">
-              <a:buNone/>
-              <a:defRPr sz="1500" b="1"/>
+            <a:lvl7pPr marL="1943707" indent="0">
+              <a:buNone/>
+              <a:defRPr sz="1000" b="1"/>
             </a:lvl7pPr>
-            <a:lvl8pPr marL="3096067" indent="0">
-              <a:buNone/>
-              <a:defRPr sz="1500" b="1"/>
+            <a:lvl8pPr marL="2267657" indent="0">
+              <a:buNone/>
+              <a:defRPr sz="1000" b="1"/>
             </a:lvl8pPr>
-            <a:lvl9pPr marL="3538362" indent="0">
-              <a:buNone/>
-              <a:defRPr sz="1500" b="1"/>
+            <a:lvl9pPr marL="2591608" indent="0">
+              <a:buNone/>
+              <a:defRPr sz="1000" b="1"/>
             </a:lvl9pPr>
           </a:lstStyle>
           <a:p>
@@ -1529,39 +1529,39 @@
         </p:nvSpPr>
         <p:spPr>
           <a:xfrm>
-            <a:off x="432038" y="2169337"/>
-            <a:ext cx="3817838" cy="3941227"/>
+            <a:off x="270035" y="1769605"/>
+            <a:ext cx="2386236" cy="3214995"/>
           </a:xfrm>
         </p:spPr>
         <p:txBody>
           <a:bodyPr/>
           <a:lstStyle>
             <a:lvl1pPr>
-              <a:defRPr sz="2300"/>
+              <a:defRPr sz="1700"/>
             </a:lvl1pPr>
             <a:lvl2pPr>
-              <a:defRPr sz="1900"/>
+              <a:defRPr sz="1300"/>
             </a:lvl2pPr>
             <a:lvl3pPr>
-              <a:defRPr sz="1700"/>
+              <a:defRPr sz="1300"/>
             </a:lvl3pPr>
             <a:lvl4pPr>
-              <a:defRPr sz="1500"/>
+              <a:defRPr sz="1000"/>
             </a:lvl4pPr>
             <a:lvl5pPr>
-              <a:defRPr sz="1500"/>
+              <a:defRPr sz="1000"/>
             </a:lvl5pPr>
             <a:lvl6pPr>
-              <a:defRPr sz="1500"/>
+              <a:defRPr sz="1000"/>
             </a:lvl6pPr>
             <a:lvl7pPr>
-              <a:defRPr sz="1500"/>
+              <a:defRPr sz="1000"/>
             </a:lvl7pPr>
             <a:lvl8pPr>
-              <a:defRPr sz="1500"/>
+              <a:defRPr sz="1000"/>
             </a:lvl8pPr>
             <a:lvl9pPr>
-              <a:defRPr sz="1500"/>
+              <a:defRPr sz="1000"/>
             </a:lvl9pPr>
           </a:lstStyle>
           <a:p>
@@ -1614,8 +1614,8 @@
         </p:nvSpPr>
         <p:spPr>
           <a:xfrm>
-            <a:off x="4389388" y="1531204"/>
-            <a:ext cx="3819337" cy="638133"/>
+            <a:off x="2743469" y="1249058"/>
+            <a:ext cx="2387174" cy="520547"/>
           </a:xfrm>
         </p:spPr>
         <p:txBody>
@@ -1623,39 +1623,39 @@
           <a:lstStyle>
             <a:lvl1pPr marL="0" indent="0">
               <a:buNone/>
-              <a:defRPr sz="2300" b="1"/>
+              <a:defRPr sz="1700" b="1"/>
             </a:lvl1pPr>
-            <a:lvl2pPr marL="442295" indent="0">
-              <a:buNone/>
-              <a:defRPr sz="1900" b="1"/>
+            <a:lvl2pPr marL="323951" indent="0">
+              <a:buNone/>
+              <a:defRPr sz="1300" b="1"/>
             </a:lvl2pPr>
-            <a:lvl3pPr marL="884591" indent="0">
-              <a:buNone/>
-              <a:defRPr sz="1700" b="1"/>
+            <a:lvl3pPr marL="647903" indent="0">
+              <a:buNone/>
+              <a:defRPr sz="1300" b="1"/>
             </a:lvl3pPr>
-            <a:lvl4pPr marL="1326886" indent="0">
-              <a:buNone/>
-              <a:defRPr sz="1500" b="1"/>
+            <a:lvl4pPr marL="971854" indent="0">
+              <a:buNone/>
+              <a:defRPr sz="1000" b="1"/>
             </a:lvl4pPr>
-            <a:lvl5pPr marL="1769181" indent="0">
-              <a:buNone/>
-              <a:defRPr sz="1500" b="1"/>
+            <a:lvl5pPr marL="1295804" indent="0">
+              <a:buNone/>
+              <a:defRPr sz="1000" b="1"/>
             </a:lvl5pPr>
-            <a:lvl6pPr marL="2211476" indent="0">
-              <a:buNone/>
-              <a:defRPr sz="1500" b="1"/>
+            <a:lvl6pPr marL="1619754" indent="0">
+              <a:buNone/>
+              <a:defRPr sz="1000" b="1"/>
             </a:lvl6pPr>
-            <a:lvl7pPr marL="2653772" indent="0">
-              <a:buNone/>
-              <a:defRPr sz="1500" b="1"/>
+            <a:lvl7pPr marL="1943707" indent="0">
+              <a:buNone/>
+              <a:defRPr sz="1000" b="1"/>
             </a:lvl7pPr>
-            <a:lvl8pPr marL="3096067" indent="0">
-              <a:buNone/>
-              <a:defRPr sz="1500" b="1"/>
+            <a:lvl8pPr marL="2267657" indent="0">
+              <a:buNone/>
+              <a:defRPr sz="1000" b="1"/>
             </a:lvl8pPr>
-            <a:lvl9pPr marL="3538362" indent="0">
-              <a:buNone/>
-              <a:defRPr sz="1500" b="1"/>
+            <a:lvl9pPr marL="2591608" indent="0">
+              <a:buNone/>
+              <a:defRPr sz="1000" b="1"/>
             </a:lvl9pPr>
           </a:lstStyle>
           <a:p>
@@ -1679,39 +1679,39 @@
         </p:nvSpPr>
         <p:spPr>
           <a:xfrm>
-            <a:off x="4389388" y="2169337"/>
-            <a:ext cx="3819337" cy="3941227"/>
+            <a:off x="2743469" y="1769605"/>
+            <a:ext cx="2387174" cy="3214995"/>
           </a:xfrm>
         </p:spPr>
         <p:txBody>
           <a:bodyPr/>
           <a:lstStyle>
             <a:lvl1pPr>
-              <a:defRPr sz="2300"/>
+              <a:defRPr sz="1700"/>
             </a:lvl1pPr>
             <a:lvl2pPr>
-              <a:defRPr sz="1900"/>
+              <a:defRPr sz="1300"/>
             </a:lvl2pPr>
             <a:lvl3pPr>
-              <a:defRPr sz="1700"/>
+              <a:defRPr sz="1300"/>
             </a:lvl3pPr>
             <a:lvl4pPr>
-              <a:defRPr sz="1500"/>
+              <a:defRPr sz="1000"/>
             </a:lvl4pPr>
             <a:lvl5pPr>
-              <a:defRPr sz="1500"/>
+              <a:defRPr sz="1000"/>
             </a:lvl5pPr>
             <a:lvl6pPr>
-              <a:defRPr sz="1500"/>
+              <a:defRPr sz="1000"/>
             </a:lvl6pPr>
             <a:lvl7pPr>
-              <a:defRPr sz="1500"/>
+              <a:defRPr sz="1000"/>
             </a:lvl7pPr>
             <a:lvl8pPr>
-              <a:defRPr sz="1500"/>
+              <a:defRPr sz="1000"/>
             </a:lvl8pPr>
             <a:lvl9pPr>
-              <a:defRPr sz="1500"/>
+              <a:defRPr sz="1000"/>
             </a:lvl9pPr>
           </a:lstStyle>
           <a:p>
@@ -1769,7 +1769,7 @@
           <a:p>
             <a:fld id="{30BB0822-4451-47E7-A0E9-186AA8DFE7DA}" type="datetimeFigureOut">
               <a:rPr lang="en-GB" smtClean="0"/>
-              <a:t>25/06/2014</a:t>
+              <a:t>11/07/2014</a:t>
             </a:fld>
             <a:endParaRPr lang="en-GB"/>
           </a:p>
@@ -1887,7 +1887,7 @@
           <a:p>
             <a:fld id="{30BB0822-4451-47E7-A0E9-186AA8DFE7DA}" type="datetimeFigureOut">
               <a:rPr lang="en-GB" smtClean="0"/>
-              <a:t>25/06/2014</a:t>
+              <a:t>11/07/2014</a:t>
             </a:fld>
             <a:endParaRPr lang="en-GB"/>
           </a:p>
@@ -1982,7 +1982,7 @@
           <a:p>
             <a:fld id="{30BB0822-4451-47E7-A0E9-186AA8DFE7DA}" type="datetimeFigureOut">
               <a:rPr lang="en-GB" smtClean="0"/>
-              <a:t>25/06/2014</a:t>
+              <a:t>11/07/2014</a:t>
             </a:fld>
             <a:endParaRPr lang="en-GB"/>
           </a:p>
@@ -2072,15 +2072,15 @@
         </p:nvSpPr>
         <p:spPr>
           <a:xfrm>
-            <a:off x="432039" y="272355"/>
-            <a:ext cx="2842751" cy="1159091"/>
+            <a:off x="270035" y="222171"/>
+            <a:ext cx="1776784" cy="945511"/>
           </a:xfrm>
         </p:spPr>
         <p:txBody>
           <a:bodyPr anchor="b"/>
           <a:lstStyle>
             <a:lvl1pPr algn="l">
-              <a:defRPr sz="1900" b="1"/>
+              <a:defRPr sz="1300" b="1"/>
             </a:lvl1pPr>
           </a:lstStyle>
           <a:p>
@@ -2104,39 +2104,39 @@
         </p:nvSpPr>
         <p:spPr>
           <a:xfrm>
-            <a:off x="3378298" y="272355"/>
-            <a:ext cx="4830427" cy="5838210"/>
+            <a:off x="2111515" y="222170"/>
+            <a:ext cx="3019128" cy="4762430"/>
           </a:xfrm>
         </p:spPr>
         <p:txBody>
           <a:bodyPr/>
           <a:lstStyle>
             <a:lvl1pPr>
-              <a:defRPr sz="3100"/>
+              <a:defRPr sz="2200"/>
             </a:lvl1pPr>
             <a:lvl2pPr>
-              <a:defRPr sz="2700"/>
+              <a:defRPr sz="2000"/>
             </a:lvl2pPr>
             <a:lvl3pPr>
-              <a:defRPr sz="2300"/>
+              <a:defRPr sz="1700"/>
             </a:lvl3pPr>
             <a:lvl4pPr>
-              <a:defRPr sz="1900"/>
+              <a:defRPr sz="1300"/>
             </a:lvl4pPr>
             <a:lvl5pPr>
-              <a:defRPr sz="1900"/>
+              <a:defRPr sz="1300"/>
             </a:lvl5pPr>
             <a:lvl6pPr>
-              <a:defRPr sz="1900"/>
+              <a:defRPr sz="1300"/>
             </a:lvl6pPr>
             <a:lvl7pPr>
-              <a:defRPr sz="1900"/>
+              <a:defRPr sz="1300"/>
             </a:lvl7pPr>
             <a:lvl8pPr>
-              <a:defRPr sz="1900"/>
+              <a:defRPr sz="1300"/>
             </a:lvl8pPr>
             <a:lvl9pPr>
-              <a:defRPr sz="1900"/>
+              <a:defRPr sz="1300"/>
             </a:lvl9pPr>
           </a:lstStyle>
           <a:p>
@@ -2189,8 +2189,8 @@
         </p:nvSpPr>
         <p:spPr>
           <a:xfrm>
-            <a:off x="432039" y="1431446"/>
-            <a:ext cx="2842751" cy="4679119"/>
+            <a:off x="270035" y="1167683"/>
+            <a:ext cx="1776784" cy="3816919"/>
           </a:xfrm>
         </p:spPr>
         <p:txBody>
@@ -2198,39 +2198,39 @@
           <a:lstStyle>
             <a:lvl1pPr marL="0" indent="0">
               <a:buNone/>
-              <a:defRPr sz="1400"/>
+              <a:defRPr sz="1000"/>
             </a:lvl1pPr>
-            <a:lvl2pPr marL="442295" indent="0">
-              <a:buNone/>
-              <a:defRPr sz="1200"/>
+            <a:lvl2pPr marL="323951" indent="0">
+              <a:buNone/>
+              <a:defRPr sz="1000"/>
             </a:lvl2pPr>
-            <a:lvl3pPr marL="884591" indent="0">
-              <a:buNone/>
-              <a:defRPr sz="1000"/>
+            <a:lvl3pPr marL="647903" indent="0">
+              <a:buNone/>
+              <a:defRPr sz="800"/>
             </a:lvl3pPr>
-            <a:lvl4pPr marL="1326886" indent="0">
-              <a:buNone/>
-              <a:defRPr sz="900"/>
+            <a:lvl4pPr marL="971854" indent="0">
+              <a:buNone/>
+              <a:defRPr sz="700"/>
             </a:lvl4pPr>
-            <a:lvl5pPr marL="1769181" indent="0">
-              <a:buNone/>
-              <a:defRPr sz="900"/>
+            <a:lvl5pPr marL="1295804" indent="0">
+              <a:buNone/>
+              <a:defRPr sz="700"/>
             </a:lvl5pPr>
-            <a:lvl6pPr marL="2211476" indent="0">
-              <a:buNone/>
-              <a:defRPr sz="900"/>
+            <a:lvl6pPr marL="1619754" indent="0">
+              <a:buNone/>
+              <a:defRPr sz="700"/>
             </a:lvl6pPr>
-            <a:lvl7pPr marL="2653772" indent="0">
-              <a:buNone/>
-              <a:defRPr sz="900"/>
+            <a:lvl7pPr marL="1943707" indent="0">
+              <a:buNone/>
+              <a:defRPr sz="700"/>
             </a:lvl7pPr>
-            <a:lvl8pPr marL="3096067" indent="0">
-              <a:buNone/>
-              <a:defRPr sz="900"/>
+            <a:lvl8pPr marL="2267657" indent="0">
+              <a:buNone/>
+              <a:defRPr sz="700"/>
             </a:lvl8pPr>
-            <a:lvl9pPr marL="3538362" indent="0">
-              <a:buNone/>
-              <a:defRPr sz="900"/>
+            <a:lvl9pPr marL="2591608" indent="0">
+              <a:buNone/>
+              <a:defRPr sz="700"/>
             </a:lvl9pPr>
           </a:lstStyle>
           <a:p>
@@ -2259,7 +2259,7 @@
           <a:p>
             <a:fld id="{30BB0822-4451-47E7-A0E9-186AA8DFE7DA}" type="datetimeFigureOut">
               <a:rPr lang="en-GB" smtClean="0"/>
-              <a:t>25/06/2014</a:t>
+              <a:t>11/07/2014</a:t>
             </a:fld>
             <a:endParaRPr lang="en-GB"/>
           </a:p>
@@ -2349,15 +2349,15 @@
         </p:nvSpPr>
         <p:spPr>
           <a:xfrm>
-            <a:off x="1693650" y="4788377"/>
-            <a:ext cx="5184458" cy="565295"/>
+            <a:off x="1058570" y="3906046"/>
+            <a:ext cx="3240405" cy="461130"/>
           </a:xfrm>
         </p:spPr>
         <p:txBody>
           <a:bodyPr anchor="b"/>
           <a:lstStyle>
             <a:lvl1pPr algn="l">
-              <a:defRPr sz="1900" b="1"/>
+              <a:defRPr sz="1300" b="1"/>
             </a:lvl1pPr>
           </a:lstStyle>
           <a:p>
@@ -2381,8 +2381,8 @@
         </p:nvSpPr>
         <p:spPr>
           <a:xfrm>
-            <a:off x="1693650" y="611215"/>
-            <a:ext cx="5184458" cy="4104323"/>
+            <a:off x="1058570" y="498591"/>
+            <a:ext cx="3240405" cy="3348038"/>
           </a:xfrm>
         </p:spPr>
         <p:txBody>
@@ -2390,39 +2390,39 @@
           <a:lstStyle>
             <a:lvl1pPr marL="0" indent="0">
               <a:buNone/>
-              <a:defRPr sz="3100"/>
+              <a:defRPr sz="2200"/>
             </a:lvl1pPr>
-            <a:lvl2pPr marL="442295" indent="0">
-              <a:buNone/>
-              <a:defRPr sz="2700"/>
+            <a:lvl2pPr marL="323951" indent="0">
+              <a:buNone/>
+              <a:defRPr sz="2000"/>
             </a:lvl2pPr>
-            <a:lvl3pPr marL="884591" indent="0">
-              <a:buNone/>
-              <a:defRPr sz="2300"/>
+            <a:lvl3pPr marL="647903" indent="0">
+              <a:buNone/>
+              <a:defRPr sz="1700"/>
             </a:lvl3pPr>
-            <a:lvl4pPr marL="1326886" indent="0">
-              <a:buNone/>
-              <a:defRPr sz="1900"/>
+            <a:lvl4pPr marL="971854" indent="0">
+              <a:buNone/>
+              <a:defRPr sz="1300"/>
             </a:lvl4pPr>
-            <a:lvl5pPr marL="1769181" indent="0">
-              <a:buNone/>
-              <a:defRPr sz="1900"/>
+            <a:lvl5pPr marL="1295804" indent="0">
+              <a:buNone/>
+              <a:defRPr sz="1300"/>
             </a:lvl5pPr>
-            <a:lvl6pPr marL="2211476" indent="0">
-              <a:buNone/>
-              <a:defRPr sz="1900"/>
+            <a:lvl6pPr marL="1619754" indent="0">
+              <a:buNone/>
+              <a:defRPr sz="1300"/>
             </a:lvl6pPr>
-            <a:lvl7pPr marL="2653772" indent="0">
-              <a:buNone/>
-              <a:defRPr sz="1900"/>
+            <a:lvl7pPr marL="1943707" indent="0">
+              <a:buNone/>
+              <a:defRPr sz="1300"/>
             </a:lvl7pPr>
-            <a:lvl8pPr marL="3096067" indent="0">
-              <a:buNone/>
-              <a:defRPr sz="1900"/>
+            <a:lvl8pPr marL="2267657" indent="0">
+              <a:buNone/>
+              <a:defRPr sz="1300"/>
             </a:lvl8pPr>
-            <a:lvl9pPr marL="3538362" indent="0">
-              <a:buNone/>
-              <a:defRPr sz="1900"/>
+            <a:lvl9pPr marL="2591608" indent="0">
+              <a:buNone/>
+              <a:defRPr sz="1300"/>
             </a:lvl9pPr>
           </a:lstStyle>
           <a:p>
@@ -2442,8 +2442,8 @@
         </p:nvSpPr>
         <p:spPr>
           <a:xfrm>
-            <a:off x="1693650" y="5353671"/>
-            <a:ext cx="5184458" cy="802813"/>
+            <a:off x="1058570" y="4367176"/>
+            <a:ext cx="3240405" cy="654883"/>
           </a:xfrm>
         </p:spPr>
         <p:txBody>
@@ -2451,39 +2451,39 @@
           <a:lstStyle>
             <a:lvl1pPr marL="0" indent="0">
               <a:buNone/>
-              <a:defRPr sz="1400"/>
+              <a:defRPr sz="1000"/>
             </a:lvl1pPr>
-            <a:lvl2pPr marL="442295" indent="0">
-              <a:buNone/>
-              <a:defRPr sz="1200"/>
+            <a:lvl2pPr marL="323951" indent="0">
+              <a:buNone/>
+              <a:defRPr sz="1000"/>
             </a:lvl2pPr>
-            <a:lvl3pPr marL="884591" indent="0">
-              <a:buNone/>
-              <a:defRPr sz="1000"/>
+            <a:lvl3pPr marL="647903" indent="0">
+              <a:buNone/>
+              <a:defRPr sz="800"/>
             </a:lvl3pPr>
-            <a:lvl4pPr marL="1326886" indent="0">
-              <a:buNone/>
-              <a:defRPr sz="900"/>
+            <a:lvl4pPr marL="971854" indent="0">
+              <a:buNone/>
+              <a:defRPr sz="700"/>
             </a:lvl4pPr>
-            <a:lvl5pPr marL="1769181" indent="0">
-              <a:buNone/>
-              <a:defRPr sz="900"/>
+            <a:lvl5pPr marL="1295804" indent="0">
+              <a:buNone/>
+              <a:defRPr sz="700"/>
             </a:lvl5pPr>
-            <a:lvl6pPr marL="2211476" indent="0">
-              <a:buNone/>
-              <a:defRPr sz="900"/>
+            <a:lvl6pPr marL="1619754" indent="0">
+              <a:buNone/>
+              <a:defRPr sz="700"/>
             </a:lvl6pPr>
-            <a:lvl7pPr marL="2653772" indent="0">
-              <a:buNone/>
-              <a:defRPr sz="900"/>
+            <a:lvl7pPr marL="1943707" indent="0">
+              <a:buNone/>
+              <a:defRPr sz="700"/>
             </a:lvl7pPr>
-            <a:lvl8pPr marL="3096067" indent="0">
-              <a:buNone/>
-              <a:defRPr sz="900"/>
+            <a:lvl8pPr marL="2267657" indent="0">
+              <a:buNone/>
+              <a:defRPr sz="700"/>
             </a:lvl8pPr>
-            <a:lvl9pPr marL="3538362" indent="0">
-              <a:buNone/>
-              <a:defRPr sz="900"/>
+            <a:lvl9pPr marL="2591608" indent="0">
+              <a:buNone/>
+              <a:defRPr sz="700"/>
             </a:lvl9pPr>
           </a:lstStyle>
           <a:p>
@@ -2512,7 +2512,7 @@
           <a:p>
             <a:fld id="{30BB0822-4451-47E7-A0E9-186AA8DFE7DA}" type="datetimeFigureOut">
               <a:rPr lang="en-GB" smtClean="0"/>
-              <a:t>25/06/2014</a:t>
+              <a:t>11/07/2014</a:t>
             </a:fld>
             <a:endParaRPr lang="en-GB"/>
           </a:p>
@@ -2607,15 +2607,15 @@
         </p:nvSpPr>
         <p:spPr>
           <a:xfrm>
-            <a:off x="432038" y="273939"/>
-            <a:ext cx="7776687" cy="1140090"/>
+            <a:off x="270035" y="223464"/>
+            <a:ext cx="4860607" cy="930011"/>
           </a:xfrm>
           <a:prstGeom prst="rect">
             <a:avLst/>
           </a:prstGeom>
         </p:spPr>
         <p:txBody>
-          <a:bodyPr vert="horz" lIns="88459" tIns="44230" rIns="88459" bIns="44230" rtlCol="0" anchor="ctr">
+          <a:bodyPr vert="horz" lIns="64790" tIns="32396" rIns="64790" bIns="32396" rtlCol="0" anchor="ctr">
             <a:normAutofit/>
           </a:bodyPr>
           <a:lstStyle/>
@@ -2640,15 +2640,15 @@
         </p:nvSpPr>
         <p:spPr>
           <a:xfrm>
-            <a:off x="432038" y="1596126"/>
-            <a:ext cx="7776687" cy="4514439"/>
+            <a:off x="270035" y="1302016"/>
+            <a:ext cx="4860607" cy="3682584"/>
           </a:xfrm>
           <a:prstGeom prst="rect">
             <a:avLst/>
           </a:prstGeom>
         </p:spPr>
         <p:txBody>
-          <a:bodyPr vert="horz" lIns="88459" tIns="44230" rIns="88459" bIns="44230" rtlCol="0">
+          <a:bodyPr vert="horz" lIns="64790" tIns="32396" rIns="64790" bIns="32396" rtlCol="0">
             <a:normAutofit/>
           </a:bodyPr>
           <a:lstStyle/>
@@ -2702,18 +2702,18 @@
         </p:nvSpPr>
         <p:spPr>
           <a:xfrm>
-            <a:off x="432038" y="6340166"/>
-            <a:ext cx="2016178" cy="364195"/>
+            <a:off x="270034" y="5171893"/>
+            <a:ext cx="1260158" cy="297087"/>
           </a:xfrm>
           <a:prstGeom prst="rect">
             <a:avLst/>
           </a:prstGeom>
         </p:spPr>
         <p:txBody>
-          <a:bodyPr vert="horz" lIns="88459" tIns="44230" rIns="88459" bIns="44230" rtlCol="0" anchor="ctr"/>
+          <a:bodyPr vert="horz" lIns="64790" tIns="32396" rIns="64790" bIns="32396" rtlCol="0" anchor="ctr"/>
           <a:lstStyle>
             <a:lvl1pPr algn="l">
-              <a:defRPr sz="1200">
+              <a:defRPr sz="1000">
                 <a:solidFill>
                   <a:schemeClr val="tx1">
                     <a:tint val="75000"/>
@@ -2725,7 +2725,7 @@
           <a:p>
             <a:fld id="{30BB0822-4451-47E7-A0E9-186AA8DFE7DA}" type="datetimeFigureOut">
               <a:rPr lang="en-GB" smtClean="0"/>
-              <a:t>25/06/2014</a:t>
+              <a:t>11/07/2014</a:t>
             </a:fld>
             <a:endParaRPr lang="en-GB"/>
           </a:p>
@@ -2743,18 +2743,18 @@
         </p:nvSpPr>
         <p:spPr>
           <a:xfrm>
-            <a:off x="2952261" y="6340166"/>
-            <a:ext cx="2736242" cy="364195"/>
+            <a:off x="1845232" y="5171893"/>
+            <a:ext cx="1710213" cy="297087"/>
           </a:xfrm>
           <a:prstGeom prst="rect">
             <a:avLst/>
           </a:prstGeom>
         </p:spPr>
         <p:txBody>
-          <a:bodyPr vert="horz" lIns="88459" tIns="44230" rIns="88459" bIns="44230" rtlCol="0" anchor="ctr"/>
+          <a:bodyPr vert="horz" lIns="64790" tIns="32396" rIns="64790" bIns="32396" rtlCol="0" anchor="ctr"/>
           <a:lstStyle>
             <a:lvl1pPr algn="ctr">
-              <a:defRPr sz="1200">
+              <a:defRPr sz="1000">
                 <a:solidFill>
                   <a:schemeClr val="tx1">
                     <a:tint val="75000"/>
@@ -2780,18 +2780,18 @@
         </p:nvSpPr>
         <p:spPr>
           <a:xfrm>
-            <a:off x="6192547" y="6340166"/>
-            <a:ext cx="2016178" cy="364195"/>
+            <a:off x="3870484" y="5171893"/>
+            <a:ext cx="1260158" cy="297087"/>
           </a:xfrm>
           <a:prstGeom prst="rect">
             <a:avLst/>
           </a:prstGeom>
         </p:spPr>
         <p:txBody>
-          <a:bodyPr vert="horz" lIns="88459" tIns="44230" rIns="88459" bIns="44230" rtlCol="0" anchor="ctr"/>
+          <a:bodyPr vert="horz" lIns="64790" tIns="32396" rIns="64790" bIns="32396" rtlCol="0" anchor="ctr"/>
           <a:lstStyle>
             <a:lvl1pPr algn="r">
-              <a:defRPr sz="1200">
+              <a:defRPr sz="1000">
                 <a:solidFill>
                   <a:schemeClr val="tx1">
                     <a:tint val="75000"/>
@@ -2832,12 +2832,12 @@
   </p:sldLayoutIdLst>
   <p:txStyles>
     <p:titleStyle>
-      <a:lvl1pPr algn="ctr" defTabSz="884591" rtl="0" eaLnBrk="1" latinLnBrk="0" hangingPunct="1">
+      <a:lvl1pPr algn="ctr" defTabSz="647903" rtl="0" eaLnBrk="1" latinLnBrk="0" hangingPunct="1">
         <a:spcBef>
           <a:spcPct val="0"/>
         </a:spcBef>
         <a:buNone/>
-        <a:defRPr sz="4300" kern="1200">
+        <a:defRPr sz="3100" kern="1200">
           <a:solidFill>
             <a:schemeClr val="tx1"/>
           </a:solidFill>
@@ -2848,13 +2848,13 @@
       </a:lvl1pPr>
     </p:titleStyle>
     <p:bodyStyle>
-      <a:lvl1pPr marL="331721" indent="-331721" algn="l" defTabSz="884591" rtl="0" eaLnBrk="1" latinLnBrk="0" hangingPunct="1">
+      <a:lvl1pPr marL="242964" indent="-242964" algn="l" defTabSz="647903" rtl="0" eaLnBrk="1" latinLnBrk="0" hangingPunct="1">
         <a:spcBef>
           <a:spcPct val="20000"/>
         </a:spcBef>
         <a:buFont typeface="Arial" panose="020B0604020202020204" pitchFamily="34" charset="0"/>
         <a:buChar char="•"/>
-        <a:defRPr sz="3100" kern="1200">
+        <a:defRPr sz="2200" kern="1200">
           <a:solidFill>
             <a:schemeClr val="tx1"/>
           </a:solidFill>
@@ -2863,13 +2863,13 @@
           <a:cs typeface="+mn-cs"/>
         </a:defRPr>
       </a:lvl1pPr>
-      <a:lvl2pPr marL="718730" indent="-276435" algn="l" defTabSz="884591" rtl="0" eaLnBrk="1" latinLnBrk="0" hangingPunct="1">
+      <a:lvl2pPr marL="526420" indent="-202469" algn="l" defTabSz="647903" rtl="0" eaLnBrk="1" latinLnBrk="0" hangingPunct="1">
         <a:spcBef>
           <a:spcPct val="20000"/>
         </a:spcBef>
         <a:buFont typeface="Arial" panose="020B0604020202020204" pitchFamily="34" charset="0"/>
         <a:buChar char="–"/>
-        <a:defRPr sz="2700" kern="1200">
+        <a:defRPr sz="2000" kern="1200">
           <a:solidFill>
             <a:schemeClr val="tx1"/>
           </a:solidFill>
@@ -2878,13 +2878,13 @@
           <a:cs typeface="+mn-cs"/>
         </a:defRPr>
       </a:lvl2pPr>
-      <a:lvl3pPr marL="1105738" indent="-221148" algn="l" defTabSz="884591" rtl="0" eaLnBrk="1" latinLnBrk="0" hangingPunct="1">
+      <a:lvl3pPr marL="809878" indent="-161976" algn="l" defTabSz="647903" rtl="0" eaLnBrk="1" latinLnBrk="0" hangingPunct="1">
         <a:spcBef>
           <a:spcPct val="20000"/>
         </a:spcBef>
         <a:buFont typeface="Arial" panose="020B0604020202020204" pitchFamily="34" charset="0"/>
         <a:buChar char="•"/>
-        <a:defRPr sz="2300" kern="1200">
+        <a:defRPr sz="1700" kern="1200">
           <a:solidFill>
             <a:schemeClr val="tx1"/>
           </a:solidFill>
@@ -2893,13 +2893,13 @@
           <a:cs typeface="+mn-cs"/>
         </a:defRPr>
       </a:lvl3pPr>
-      <a:lvl4pPr marL="1548033" indent="-221148" algn="l" defTabSz="884591" rtl="0" eaLnBrk="1" latinLnBrk="0" hangingPunct="1">
+      <a:lvl4pPr marL="1133829" indent="-161976" algn="l" defTabSz="647903" rtl="0" eaLnBrk="1" latinLnBrk="0" hangingPunct="1">
         <a:spcBef>
           <a:spcPct val="20000"/>
         </a:spcBef>
         <a:buFont typeface="Arial" panose="020B0604020202020204" pitchFamily="34" charset="0"/>
         <a:buChar char="–"/>
-        <a:defRPr sz="1900" kern="1200">
+        <a:defRPr sz="1300" kern="1200">
           <a:solidFill>
             <a:schemeClr val="tx1"/>
           </a:solidFill>
@@ -2908,13 +2908,13 @@
           <a:cs typeface="+mn-cs"/>
         </a:defRPr>
       </a:lvl4pPr>
-      <a:lvl5pPr marL="1990329" indent="-221148" algn="l" defTabSz="884591" rtl="0" eaLnBrk="1" latinLnBrk="0" hangingPunct="1">
+      <a:lvl5pPr marL="1457780" indent="-161976" algn="l" defTabSz="647903" rtl="0" eaLnBrk="1" latinLnBrk="0" hangingPunct="1">
         <a:spcBef>
           <a:spcPct val="20000"/>
         </a:spcBef>
         <a:buFont typeface="Arial" panose="020B0604020202020204" pitchFamily="34" charset="0"/>
         <a:buChar char="»"/>
-        <a:defRPr sz="1900" kern="1200">
+        <a:defRPr sz="1300" kern="1200">
           <a:solidFill>
             <a:schemeClr val="tx1"/>
           </a:solidFill>
@@ -2923,13 +2923,13 @@
           <a:cs typeface="+mn-cs"/>
         </a:defRPr>
       </a:lvl5pPr>
-      <a:lvl6pPr marL="2432624" indent="-221148" algn="l" defTabSz="884591" rtl="0" eaLnBrk="1" latinLnBrk="0" hangingPunct="1">
+      <a:lvl6pPr marL="1781731" indent="-161976" algn="l" defTabSz="647903" rtl="0" eaLnBrk="1" latinLnBrk="0" hangingPunct="1">
         <a:spcBef>
           <a:spcPct val="20000"/>
         </a:spcBef>
         <a:buFont typeface="Arial" panose="020B0604020202020204" pitchFamily="34" charset="0"/>
         <a:buChar char="•"/>
-        <a:defRPr sz="1900" kern="1200">
+        <a:defRPr sz="1300" kern="1200">
           <a:solidFill>
             <a:schemeClr val="tx1"/>
           </a:solidFill>
@@ -2938,13 +2938,13 @@
           <a:cs typeface="+mn-cs"/>
         </a:defRPr>
       </a:lvl6pPr>
-      <a:lvl7pPr marL="2874919" indent="-221148" algn="l" defTabSz="884591" rtl="0" eaLnBrk="1" latinLnBrk="0" hangingPunct="1">
+      <a:lvl7pPr marL="2105682" indent="-161976" algn="l" defTabSz="647903" rtl="0" eaLnBrk="1" latinLnBrk="0" hangingPunct="1">
         <a:spcBef>
           <a:spcPct val="20000"/>
         </a:spcBef>
         <a:buFont typeface="Arial" panose="020B0604020202020204" pitchFamily="34" charset="0"/>
         <a:buChar char="•"/>
-        <a:defRPr sz="1900" kern="1200">
+        <a:defRPr sz="1300" kern="1200">
           <a:solidFill>
             <a:schemeClr val="tx1"/>
           </a:solidFill>
@@ -2953,13 +2953,13 @@
           <a:cs typeface="+mn-cs"/>
         </a:defRPr>
       </a:lvl7pPr>
-      <a:lvl8pPr marL="3317215" indent="-221148" algn="l" defTabSz="884591" rtl="0" eaLnBrk="1" latinLnBrk="0" hangingPunct="1">
+      <a:lvl8pPr marL="2429633" indent="-161976" algn="l" defTabSz="647903" rtl="0" eaLnBrk="1" latinLnBrk="0" hangingPunct="1">
         <a:spcBef>
           <a:spcPct val="20000"/>
         </a:spcBef>
         <a:buFont typeface="Arial" panose="020B0604020202020204" pitchFamily="34" charset="0"/>
         <a:buChar char="•"/>
-        <a:defRPr sz="1900" kern="1200">
+        <a:defRPr sz="1300" kern="1200">
           <a:solidFill>
             <a:schemeClr val="tx1"/>
           </a:solidFill>
@@ -2968,13 +2968,13 @@
           <a:cs typeface="+mn-cs"/>
         </a:defRPr>
       </a:lvl8pPr>
-      <a:lvl9pPr marL="3759510" indent="-221148" algn="l" defTabSz="884591" rtl="0" eaLnBrk="1" latinLnBrk="0" hangingPunct="1">
+      <a:lvl9pPr marL="2753584" indent="-161976" algn="l" defTabSz="647903" rtl="0" eaLnBrk="1" latinLnBrk="0" hangingPunct="1">
         <a:spcBef>
           <a:spcPct val="20000"/>
         </a:spcBef>
         <a:buFont typeface="Arial" panose="020B0604020202020204" pitchFamily="34" charset="0"/>
         <a:buChar char="•"/>
-        <a:defRPr sz="1900" kern="1200">
+        <a:defRPr sz="1300" kern="1200">
           <a:solidFill>
             <a:schemeClr val="tx1"/>
           </a:solidFill>
@@ -2988,8 +2988,8 @@
       <a:defPPr>
         <a:defRPr lang="en-US"/>
       </a:defPPr>
-      <a:lvl1pPr marL="0" algn="l" defTabSz="884591" rtl="0" eaLnBrk="1" latinLnBrk="0" hangingPunct="1">
-        <a:defRPr sz="1700" kern="1200">
+      <a:lvl1pPr marL="0" algn="l" defTabSz="647903" rtl="0" eaLnBrk="1" latinLnBrk="0" hangingPunct="1">
+        <a:defRPr sz="1300" kern="1200">
           <a:solidFill>
             <a:schemeClr val="tx1"/>
           </a:solidFill>
@@ -2998,8 +2998,8 @@
           <a:cs typeface="+mn-cs"/>
         </a:defRPr>
       </a:lvl1pPr>
-      <a:lvl2pPr marL="442295" algn="l" defTabSz="884591" rtl="0" eaLnBrk="1" latinLnBrk="0" hangingPunct="1">
-        <a:defRPr sz="1700" kern="1200">
+      <a:lvl2pPr marL="323951" algn="l" defTabSz="647903" rtl="0" eaLnBrk="1" latinLnBrk="0" hangingPunct="1">
+        <a:defRPr sz="1300" kern="1200">
           <a:solidFill>
             <a:schemeClr val="tx1"/>
           </a:solidFill>
@@ -3008,8 +3008,8 @@
           <a:cs typeface="+mn-cs"/>
         </a:defRPr>
       </a:lvl2pPr>
-      <a:lvl3pPr marL="884591" algn="l" defTabSz="884591" rtl="0" eaLnBrk="1" latinLnBrk="0" hangingPunct="1">
-        <a:defRPr sz="1700" kern="1200">
+      <a:lvl3pPr marL="647903" algn="l" defTabSz="647903" rtl="0" eaLnBrk="1" latinLnBrk="0" hangingPunct="1">
+        <a:defRPr sz="1300" kern="1200">
           <a:solidFill>
             <a:schemeClr val="tx1"/>
           </a:solidFill>
@@ -3018,8 +3018,8 @@
           <a:cs typeface="+mn-cs"/>
         </a:defRPr>
       </a:lvl3pPr>
-      <a:lvl4pPr marL="1326886" algn="l" defTabSz="884591" rtl="0" eaLnBrk="1" latinLnBrk="0" hangingPunct="1">
-        <a:defRPr sz="1700" kern="1200">
+      <a:lvl4pPr marL="971854" algn="l" defTabSz="647903" rtl="0" eaLnBrk="1" latinLnBrk="0" hangingPunct="1">
+        <a:defRPr sz="1300" kern="1200">
           <a:solidFill>
             <a:schemeClr val="tx1"/>
           </a:solidFill>
@@ -3028,8 +3028,8 @@
           <a:cs typeface="+mn-cs"/>
         </a:defRPr>
       </a:lvl4pPr>
-      <a:lvl5pPr marL="1769181" algn="l" defTabSz="884591" rtl="0" eaLnBrk="1" latinLnBrk="0" hangingPunct="1">
-        <a:defRPr sz="1700" kern="1200">
+      <a:lvl5pPr marL="1295804" algn="l" defTabSz="647903" rtl="0" eaLnBrk="1" latinLnBrk="0" hangingPunct="1">
+        <a:defRPr sz="1300" kern="1200">
           <a:solidFill>
             <a:schemeClr val="tx1"/>
           </a:solidFill>
@@ -3038,8 +3038,8 @@
           <a:cs typeface="+mn-cs"/>
         </a:defRPr>
       </a:lvl5pPr>
-      <a:lvl6pPr marL="2211476" algn="l" defTabSz="884591" rtl="0" eaLnBrk="1" latinLnBrk="0" hangingPunct="1">
-        <a:defRPr sz="1700" kern="1200">
+      <a:lvl6pPr marL="1619754" algn="l" defTabSz="647903" rtl="0" eaLnBrk="1" latinLnBrk="0" hangingPunct="1">
+        <a:defRPr sz="1300" kern="1200">
           <a:solidFill>
             <a:schemeClr val="tx1"/>
           </a:solidFill>
@@ -3048,8 +3048,8 @@
           <a:cs typeface="+mn-cs"/>
         </a:defRPr>
       </a:lvl6pPr>
-      <a:lvl7pPr marL="2653772" algn="l" defTabSz="884591" rtl="0" eaLnBrk="1" latinLnBrk="0" hangingPunct="1">
-        <a:defRPr sz="1700" kern="1200">
+      <a:lvl7pPr marL="1943707" algn="l" defTabSz="647903" rtl="0" eaLnBrk="1" latinLnBrk="0" hangingPunct="1">
+        <a:defRPr sz="1300" kern="1200">
           <a:solidFill>
             <a:schemeClr val="tx1"/>
           </a:solidFill>
@@ -3058,8 +3058,8 @@
           <a:cs typeface="+mn-cs"/>
         </a:defRPr>
       </a:lvl7pPr>
-      <a:lvl8pPr marL="3096067" algn="l" defTabSz="884591" rtl="0" eaLnBrk="1" latinLnBrk="0" hangingPunct="1">
-        <a:defRPr sz="1700" kern="1200">
+      <a:lvl8pPr marL="2267657" algn="l" defTabSz="647903" rtl="0" eaLnBrk="1" latinLnBrk="0" hangingPunct="1">
+        <a:defRPr sz="1300" kern="1200">
           <a:solidFill>
             <a:schemeClr val="tx1"/>
           </a:solidFill>
@@ -3068,8 +3068,8 @@
           <a:cs typeface="+mn-cs"/>
         </a:defRPr>
       </a:lvl8pPr>
-      <a:lvl9pPr marL="3538362" algn="l" defTabSz="884591" rtl="0" eaLnBrk="1" latinLnBrk="0" hangingPunct="1">
-        <a:defRPr sz="1700" kern="1200">
+      <a:lvl9pPr marL="2591608" algn="l" defTabSz="647903" rtl="0" eaLnBrk="1" latinLnBrk="0" hangingPunct="1">
+        <a:defRPr sz="1300" kern="1200">
           <a:solidFill>
             <a:schemeClr val="tx1"/>
           </a:solidFill>
@@ -3102,7 +3102,7 @@
       </p:grpSpPr>
       <p:pic>
         <p:nvPicPr>
-          <p:cNvPr id="10" name="Picture 2" descr="C:\Users\Wendy\Documents\wwn20\Lit review\Figures\sumioka2001-1.jpg"/>
+          <p:cNvPr id="30" name="Picture 2" descr="C:\Users\Wendy\Documents\wwn20\Lit review\Figures\sumioka2001-1.jpg"/>
           <p:cNvPicPr>
             <a:picLocks noChangeAspect="1" noChangeArrowheads="1"/>
           </p:cNvPicPr>
@@ -3123,8 +3123,8 @@
         </p:blipFill>
         <p:spPr bwMode="auto">
           <a:xfrm>
-            <a:off x="1901334" y="-12252"/>
-            <a:ext cx="5106315" cy="2105919"/>
+            <a:off x="54485" y="-36115"/>
+            <a:ext cx="5490032" cy="2264170"/>
           </a:xfrm>
           <a:prstGeom prst="rect">
             <a:avLst/>
@@ -3143,53 +3143,14 @@
       </p:pic>
       <p:pic>
         <p:nvPicPr>
-          <p:cNvPr id="11" name="Picture 3" descr="C:\Users\Wendy\Documents\wwn20\Lit review\Figures\sumioka2001-2.jpg"/>
-          <p:cNvPicPr>
-            <a:picLocks noChangeAspect="1" noChangeArrowheads="1"/>
-          </p:cNvPicPr>
-          <p:nvPr/>
-        </p:nvPicPr>
-        <p:blipFill rotWithShape="1">
-          <a:blip r:embed="rId3">
-            <a:extLst>
-              <a:ext uri="{28A0092B-C50C-407E-A947-70E740481C1C}">
-                <a14:useLocalDpi xmlns:a14="http://schemas.microsoft.com/office/drawing/2010/main" val="0"/>
-              </a:ext>
-            </a:extLst>
-          </a:blip>
-          <a:srcRect l="7069" r="4728"/>
-          <a:stretch/>
-        </p:blipFill>
-        <p:spPr bwMode="auto">
-          <a:xfrm>
-            <a:off x="101134" y="1913865"/>
-            <a:ext cx="4049486" cy="4886325"/>
-          </a:xfrm>
-          <a:prstGeom prst="rect">
-            <a:avLst/>
-          </a:prstGeom>
-          <a:noFill/>
-          <a:extLst>
-            <a:ext uri="{909E8E84-426E-40DD-AFC4-6F175D3DCCD1}">
-              <a14:hiddenFill xmlns:a14="http://schemas.microsoft.com/office/drawing/2010/main">
-                <a:solidFill>
-                  <a:srgbClr val="FFFFFF"/>
-                </a:solidFill>
-              </a14:hiddenFill>
-            </a:ext>
-          </a:extLst>
-        </p:spPr>
-      </p:pic>
-      <p:pic>
-        <p:nvPicPr>
-          <p:cNvPr id="12" name="Picture 4" descr="C:\Users\Wendy\Documents\wwn20\Lit review\Figures\sumioka2001-3.jpg"/>
+          <p:cNvPr id="31" name="Picture 4" descr="C:\Users\Wendy\Documents\wwn20\Lit review\Figures\sumioka2001-3.jpg"/>
           <p:cNvPicPr>
             <a:picLocks noChangeAspect="1" noChangeArrowheads="1"/>
           </p:cNvPicPr>
           <p:nvPr/>
         </p:nvPicPr>
         <p:blipFill>
-          <a:blip r:embed="rId4">
+          <a:blip r:embed="rId3">
             <a:extLst>
               <a:ext uri="{28A0092B-C50C-407E-A947-70E740481C1C}">
                 <a14:useLocalDpi xmlns:a14="http://schemas.microsoft.com/office/drawing/2010/main" val="0"/>
@@ -3203,7 +3164,7 @@
         </p:blipFill>
         <p:spPr bwMode="auto">
           <a:xfrm>
-            <a:off x="4061574" y="2629827"/>
+            <a:off x="277193" y="2196133"/>
             <a:ext cx="4660900" cy="3454400"/>
           </a:xfrm>
           <a:prstGeom prst="rect">
@@ -3223,13 +3184,13 @@
       </p:pic>
       <p:sp>
         <p:nvSpPr>
-          <p:cNvPr id="13" name="TextBox 12"/>
+          <p:cNvPr id="32" name="TextBox 31"/>
           <p:cNvSpPr txBox="1"/>
           <p:nvPr/>
         </p:nvSpPr>
         <p:spPr>
           <a:xfrm>
-            <a:off x="1829326" y="-66573"/>
+            <a:off x="-78378" y="-108123"/>
             <a:ext cx="684076" cy="477054"/>
           </a:xfrm>
           <a:prstGeom prst="rect">
@@ -3253,13 +3214,13 @@
       </p:sp>
       <p:sp>
         <p:nvSpPr>
-          <p:cNvPr id="14" name="TextBox 13"/>
+          <p:cNvPr id="33" name="TextBox 32"/>
           <p:cNvSpPr txBox="1"/>
           <p:nvPr/>
         </p:nvSpPr>
         <p:spPr>
           <a:xfrm>
-            <a:off x="-78378" y="1913865"/>
+            <a:off x="-78378" y="2202821"/>
             <a:ext cx="684076" cy="477054"/>
           </a:xfrm>
           <a:prstGeom prst="rect">
@@ -3276,36 +3237,6 @@
             <a:r>
               <a:rPr lang="en-GB" sz="2500" dirty="0" smtClean="0"/>
               <a:t>(b)</a:t>
-            </a:r>
-            <a:endParaRPr lang="en-GB" sz="2500" dirty="0"/>
-          </a:p>
-        </p:txBody>
-      </p:sp>
-      <p:sp>
-        <p:nvSpPr>
-          <p:cNvPr id="15" name="TextBox 14"/>
-          <p:cNvSpPr txBox="1"/>
-          <p:nvPr/>
-        </p:nvSpPr>
-        <p:spPr>
-          <a:xfrm>
-            <a:off x="4133582" y="2525715"/>
-            <a:ext cx="684076" cy="477054"/>
-          </a:xfrm>
-          <a:prstGeom prst="rect">
-            <a:avLst/>
-          </a:prstGeom>
-          <a:noFill/>
-        </p:spPr>
-        <p:txBody>
-          <a:bodyPr wrap="square" rtlCol="0">
-            <a:spAutoFit/>
-          </a:bodyPr>
-          <a:lstStyle/>
-          <a:p>
-            <a:r>
-              <a:rPr lang="en-GB" sz="2500" dirty="0" smtClean="0"/>
-              <a:t>(c)</a:t>
             </a:r>
             <a:endParaRPr lang="en-GB" sz="2500" dirty="0"/>
           </a:p>
@@ -3321,6 +3252,13 @@
   <p:clrMapOvr>
     <a:masterClrMapping/>
   </p:clrMapOvr>
+  <p:timing>
+    <p:tnLst>
+      <p:par>
+        <p:cTn id="1" dur="indefinite" restart="never" nodeType="tmRoot"/>
+      </p:par>
+    </p:tnLst>
+  </p:timing>
 </p:sld>
 </file>
 

--- a/Chapter2/Figures/Fig21.pptx
+++ b/Chapter2/Figures/Fig21.pptx
@@ -7,7 +7,7 @@
   <p:sldIdLst>
     <p:sldId id="256" r:id="rId2"/>
   </p:sldIdLst>
-  <p:sldSz cx="5400675" cy="5580063"/>
+  <p:sldSz cx="7200900" cy="3421063"/>
   <p:notesSz cx="6858000" cy="9144000"/>
   <p:defaultTextStyle>
     <a:defPPr>
@@ -136,8 +136,8 @@
         </p:nvSpPr>
         <p:spPr>
           <a:xfrm>
-            <a:off x="405052" y="1733436"/>
-            <a:ext cx="4590573" cy="1196098"/>
+            <a:off x="540070" y="1062747"/>
+            <a:ext cx="6120764" cy="733312"/>
           </a:xfrm>
         </p:spPr>
         <p:txBody>
@@ -164,8 +164,8 @@
         </p:nvSpPr>
         <p:spPr>
           <a:xfrm>
-            <a:off x="810102" y="3162037"/>
-            <a:ext cx="3780473" cy="1426016"/>
+            <a:off x="1080139" y="1938604"/>
+            <a:ext cx="5040631" cy="874271"/>
           </a:xfrm>
         </p:spPr>
         <p:txBody>
@@ -288,7 +288,7 @@
           <a:p>
             <a:fld id="{30BB0822-4451-47E7-A0E9-186AA8DFE7DA}" type="datetimeFigureOut">
               <a:rPr lang="en-GB" smtClean="0"/>
-              <a:t>11/07/2014</a:t>
+              <a:t>01/09/2014</a:t>
             </a:fld>
             <a:endParaRPr lang="en-GB"/>
           </a:p>
@@ -458,7 +458,7 @@
           <a:p>
             <a:fld id="{30BB0822-4451-47E7-A0E9-186AA8DFE7DA}" type="datetimeFigureOut">
               <a:rPr lang="en-GB" smtClean="0"/>
-              <a:t>11/07/2014</a:t>
+              <a:t>01/09/2014</a:t>
             </a:fld>
             <a:endParaRPr lang="en-GB"/>
           </a:p>
@@ -548,8 +548,8 @@
         </p:nvSpPr>
         <p:spPr>
           <a:xfrm>
-            <a:off x="3700777" y="223463"/>
-            <a:ext cx="1147643" cy="4748221"/>
+            <a:off x="4934372" y="137003"/>
+            <a:ext cx="1530191" cy="2911072"/>
           </a:xfrm>
         </p:spPr>
         <p:txBody>
@@ -576,8 +576,8 @@
         </p:nvSpPr>
         <p:spPr>
           <a:xfrm>
-            <a:off x="255033" y="223463"/>
-            <a:ext cx="3355733" cy="4748221"/>
+            <a:off x="340047" y="137003"/>
+            <a:ext cx="4474311" cy="2911072"/>
           </a:xfrm>
         </p:spPr>
         <p:txBody>
@@ -638,7 +638,7 @@
           <a:p>
             <a:fld id="{30BB0822-4451-47E7-A0E9-186AA8DFE7DA}" type="datetimeFigureOut">
               <a:rPr lang="en-GB" smtClean="0"/>
-              <a:t>11/07/2014</a:t>
+              <a:t>01/09/2014</a:t>
             </a:fld>
             <a:endParaRPr lang="en-GB"/>
           </a:p>
@@ -808,7 +808,7 @@
           <a:p>
             <a:fld id="{30BB0822-4451-47E7-A0E9-186AA8DFE7DA}" type="datetimeFigureOut">
               <a:rPr lang="en-GB" smtClean="0"/>
-              <a:t>11/07/2014</a:t>
+              <a:t>01/09/2014</a:t>
             </a:fld>
             <a:endParaRPr lang="en-GB"/>
           </a:p>
@@ -898,8 +898,8 @@
         </p:nvSpPr>
         <p:spPr>
           <a:xfrm>
-            <a:off x="426617" y="3585708"/>
-            <a:ext cx="4590573" cy="1108262"/>
+            <a:off x="568823" y="2198352"/>
+            <a:ext cx="6120764" cy="679461"/>
           </a:xfrm>
         </p:spPr>
         <p:txBody>
@@ -930,8 +930,8 @@
         </p:nvSpPr>
         <p:spPr>
           <a:xfrm>
-            <a:off x="426617" y="2365070"/>
-            <a:ext cx="4590573" cy="1220639"/>
+            <a:off x="568823" y="1449993"/>
+            <a:ext cx="6120764" cy="748358"/>
           </a:xfrm>
         </p:spPr>
         <p:txBody>
@@ -1054,7 +1054,7 @@
           <a:p>
             <a:fld id="{30BB0822-4451-47E7-A0E9-186AA8DFE7DA}" type="datetimeFigureOut">
               <a:rPr lang="en-GB" smtClean="0"/>
-              <a:t>11/07/2014</a:t>
+              <a:t>01/09/2014</a:t>
             </a:fld>
             <a:endParaRPr lang="en-GB"/>
           </a:p>
@@ -1167,8 +1167,8 @@
         </p:nvSpPr>
         <p:spPr>
           <a:xfrm>
-            <a:off x="255032" y="1298143"/>
-            <a:ext cx="2251220" cy="3673541"/>
+            <a:off x="340045" y="795874"/>
+            <a:ext cx="3001627" cy="2252200"/>
           </a:xfrm>
         </p:spPr>
         <p:txBody>
@@ -1252,8 +1252,8 @@
         </p:nvSpPr>
         <p:spPr>
           <a:xfrm>
-            <a:off x="2596264" y="1298143"/>
-            <a:ext cx="2252157" cy="3673541"/>
+            <a:off x="3461686" y="795874"/>
+            <a:ext cx="3002876" cy="2252200"/>
           </a:xfrm>
         </p:spPr>
         <p:txBody>
@@ -1342,7 +1342,7 @@
           <a:p>
             <a:fld id="{30BB0822-4451-47E7-A0E9-186AA8DFE7DA}" type="datetimeFigureOut">
               <a:rPr lang="en-GB" smtClean="0"/>
-              <a:t>11/07/2014</a:t>
+              <a:t>01/09/2014</a:t>
             </a:fld>
             <a:endParaRPr lang="en-GB"/>
           </a:p>
@@ -1432,8 +1432,8 @@
         </p:nvSpPr>
         <p:spPr>
           <a:xfrm>
-            <a:off x="270035" y="223464"/>
-            <a:ext cx="4860607" cy="930011"/>
+            <a:off x="360050" y="137004"/>
+            <a:ext cx="6480809" cy="570178"/>
           </a:xfrm>
         </p:spPr>
         <p:txBody>
@@ -1464,8 +1464,8 @@
         </p:nvSpPr>
         <p:spPr>
           <a:xfrm>
-            <a:off x="270035" y="1249058"/>
-            <a:ext cx="2386236" cy="520547"/>
+            <a:off x="360047" y="765782"/>
+            <a:ext cx="3181648" cy="319141"/>
           </a:xfrm>
         </p:spPr>
         <p:txBody>
@@ -1529,8 +1529,8 @@
         </p:nvSpPr>
         <p:spPr>
           <a:xfrm>
-            <a:off x="270035" y="1769605"/>
-            <a:ext cx="2386236" cy="3214995"/>
+            <a:off x="360047" y="1084922"/>
+            <a:ext cx="3181648" cy="1971071"/>
           </a:xfrm>
         </p:spPr>
         <p:txBody>
@@ -1614,8 +1614,8 @@
         </p:nvSpPr>
         <p:spPr>
           <a:xfrm>
-            <a:off x="2743469" y="1249058"/>
-            <a:ext cx="2387174" cy="520547"/>
+            <a:off x="3657961" y="765782"/>
+            <a:ext cx="3182899" cy="319141"/>
           </a:xfrm>
         </p:spPr>
         <p:txBody>
@@ -1679,8 +1679,8 @@
         </p:nvSpPr>
         <p:spPr>
           <a:xfrm>
-            <a:off x="2743469" y="1769605"/>
-            <a:ext cx="2387174" cy="3214995"/>
+            <a:off x="3657961" y="1084922"/>
+            <a:ext cx="3182899" cy="1971071"/>
           </a:xfrm>
         </p:spPr>
         <p:txBody>
@@ -1769,7 +1769,7 @@
           <a:p>
             <a:fld id="{30BB0822-4451-47E7-A0E9-186AA8DFE7DA}" type="datetimeFigureOut">
               <a:rPr lang="en-GB" smtClean="0"/>
-              <a:t>11/07/2014</a:t>
+              <a:t>01/09/2014</a:t>
             </a:fld>
             <a:endParaRPr lang="en-GB"/>
           </a:p>
@@ -1887,7 +1887,7 @@
           <a:p>
             <a:fld id="{30BB0822-4451-47E7-A0E9-186AA8DFE7DA}" type="datetimeFigureOut">
               <a:rPr lang="en-GB" smtClean="0"/>
-              <a:t>11/07/2014</a:t>
+              <a:t>01/09/2014</a:t>
             </a:fld>
             <a:endParaRPr lang="en-GB"/>
           </a:p>
@@ -1982,7 +1982,7 @@
           <a:p>
             <a:fld id="{30BB0822-4451-47E7-A0E9-186AA8DFE7DA}" type="datetimeFigureOut">
               <a:rPr lang="en-GB" smtClean="0"/>
-              <a:t>11/07/2014</a:t>
+              <a:t>01/09/2014</a:t>
             </a:fld>
             <a:endParaRPr lang="en-GB"/>
           </a:p>
@@ -2072,8 +2072,8 @@
         </p:nvSpPr>
         <p:spPr>
           <a:xfrm>
-            <a:off x="270035" y="222171"/>
-            <a:ext cx="1776784" cy="945511"/>
+            <a:off x="360049" y="136211"/>
+            <a:ext cx="2369045" cy="579680"/>
           </a:xfrm>
         </p:spPr>
         <p:txBody>
@@ -2104,8 +2104,8 @@
         </p:nvSpPr>
         <p:spPr>
           <a:xfrm>
-            <a:off x="2111515" y="222170"/>
-            <a:ext cx="3019128" cy="4762430"/>
+            <a:off x="2815353" y="136211"/>
+            <a:ext cx="4025504" cy="2919783"/>
           </a:xfrm>
         </p:spPr>
         <p:txBody>
@@ -2189,8 +2189,8 @@
         </p:nvSpPr>
         <p:spPr>
           <a:xfrm>
-            <a:off x="270035" y="1167683"/>
-            <a:ext cx="1776784" cy="3816919"/>
+            <a:off x="360049" y="715892"/>
+            <a:ext cx="2369045" cy="2340102"/>
           </a:xfrm>
         </p:spPr>
         <p:txBody>
@@ -2259,7 +2259,7 @@
           <a:p>
             <a:fld id="{30BB0822-4451-47E7-A0E9-186AA8DFE7DA}" type="datetimeFigureOut">
               <a:rPr lang="en-GB" smtClean="0"/>
-              <a:t>11/07/2014</a:t>
+              <a:t>01/09/2014</a:t>
             </a:fld>
             <a:endParaRPr lang="en-GB"/>
           </a:p>
@@ -2349,8 +2349,8 @@
         </p:nvSpPr>
         <p:spPr>
           <a:xfrm>
-            <a:off x="1058570" y="3906046"/>
-            <a:ext cx="3240405" cy="461130"/>
+            <a:off x="1411427" y="2394746"/>
+            <a:ext cx="4320540" cy="282713"/>
           </a:xfrm>
         </p:spPr>
         <p:txBody>
@@ -2381,8 +2381,8 @@
         </p:nvSpPr>
         <p:spPr>
           <a:xfrm>
-            <a:off x="1058570" y="498591"/>
-            <a:ext cx="3240405" cy="3348038"/>
+            <a:off x="1411427" y="305680"/>
+            <a:ext cx="4320540" cy="2052638"/>
           </a:xfrm>
         </p:spPr>
         <p:txBody>
@@ -2442,8 +2442,8 @@
         </p:nvSpPr>
         <p:spPr>
           <a:xfrm>
-            <a:off x="1058570" y="4367176"/>
-            <a:ext cx="3240405" cy="654883"/>
+            <a:off x="1411427" y="2677459"/>
+            <a:ext cx="4320540" cy="401499"/>
           </a:xfrm>
         </p:spPr>
         <p:txBody>
@@ -2512,7 +2512,7 @@
           <a:p>
             <a:fld id="{30BB0822-4451-47E7-A0E9-186AA8DFE7DA}" type="datetimeFigureOut">
               <a:rPr lang="en-GB" smtClean="0"/>
-              <a:t>11/07/2014</a:t>
+              <a:t>01/09/2014</a:t>
             </a:fld>
             <a:endParaRPr lang="en-GB"/>
           </a:p>
@@ -2607,8 +2607,8 @@
         </p:nvSpPr>
         <p:spPr>
           <a:xfrm>
-            <a:off x="270035" y="223464"/>
-            <a:ext cx="4860607" cy="930011"/>
+            <a:off x="360050" y="137004"/>
+            <a:ext cx="6480809" cy="570178"/>
           </a:xfrm>
           <a:prstGeom prst="rect">
             <a:avLst/>
@@ -2640,8 +2640,8 @@
         </p:nvSpPr>
         <p:spPr>
           <a:xfrm>
-            <a:off x="270035" y="1302016"/>
-            <a:ext cx="4860607" cy="3682584"/>
+            <a:off x="360050" y="798250"/>
+            <a:ext cx="6480809" cy="2257744"/>
           </a:xfrm>
           <a:prstGeom prst="rect">
             <a:avLst/>
@@ -2702,8 +2702,8 @@
         </p:nvSpPr>
         <p:spPr>
           <a:xfrm>
-            <a:off x="270034" y="5171893"/>
-            <a:ext cx="1260158" cy="297087"/>
+            <a:off x="360047" y="3170821"/>
+            <a:ext cx="1680211" cy="182140"/>
           </a:xfrm>
           <a:prstGeom prst="rect">
             <a:avLst/>
@@ -2725,7 +2725,7 @@
           <a:p>
             <a:fld id="{30BB0822-4451-47E7-A0E9-186AA8DFE7DA}" type="datetimeFigureOut">
               <a:rPr lang="en-GB" smtClean="0"/>
-              <a:t>11/07/2014</a:t>
+              <a:t>01/09/2014</a:t>
             </a:fld>
             <a:endParaRPr lang="en-GB"/>
           </a:p>
@@ -2743,8 +2743,8 @@
         </p:nvSpPr>
         <p:spPr>
           <a:xfrm>
-            <a:off x="1845232" y="5171893"/>
-            <a:ext cx="1710213" cy="297087"/>
+            <a:off x="2460310" y="3170821"/>
+            <a:ext cx="2280284" cy="182140"/>
           </a:xfrm>
           <a:prstGeom prst="rect">
             <a:avLst/>
@@ -2780,8 +2780,8 @@
         </p:nvSpPr>
         <p:spPr>
           <a:xfrm>
-            <a:off x="3870484" y="5171893"/>
-            <a:ext cx="1260158" cy="297087"/>
+            <a:off x="5160647" y="3170821"/>
+            <a:ext cx="1680211" cy="182140"/>
           </a:xfrm>
           <a:prstGeom prst="rect">
             <a:avLst/>
@@ -3102,13 +3102,13 @@
       </p:grpSpPr>
       <p:pic>
         <p:nvPicPr>
-          <p:cNvPr id="30" name="Picture 2" descr="C:\Users\Wendy\Documents\wwn20\Lit review\Figures\sumioka2001-1.jpg"/>
+          <p:cNvPr id="14" name="Picture 2" descr="C:\Users\Wendy\Documents\wwn20\Lit review\Figures\sumioka2001-1.jpg"/>
           <p:cNvPicPr>
             <a:picLocks noChangeAspect="1" noChangeArrowheads="1"/>
           </p:cNvPicPr>
           <p:nvPr/>
         </p:nvPicPr>
-        <p:blipFill>
+        <p:blipFill rotWithShape="1">
           <a:blip r:embed="rId2">
             <a:extLst>
               <a:ext uri="{28A0092B-C50C-407E-A947-70E740481C1C}">
@@ -3116,15 +3116,13 @@
               </a:ext>
             </a:extLst>
           </a:blip>
-          <a:srcRect/>
-          <a:stretch>
-            <a:fillRect/>
-          </a:stretch>
+          <a:srcRect r="50000"/>
+          <a:stretch/>
         </p:blipFill>
         <p:spPr bwMode="auto">
           <a:xfrm>
-            <a:off x="54485" y="-36115"/>
-            <a:ext cx="5490032" cy="2264170"/>
+            <a:off x="-251991" y="310683"/>
+            <a:ext cx="3005892" cy="2479348"/>
           </a:xfrm>
           <a:prstGeom prst="rect">
             <a:avLst/>
@@ -3143,7 +3141,7 @@
       </p:pic>
       <p:pic>
         <p:nvPicPr>
-          <p:cNvPr id="31" name="Picture 4" descr="C:\Users\Wendy\Documents\wwn20\Lit review\Figures\sumioka2001-3.jpg"/>
+          <p:cNvPr id="15" name="Picture 4" descr="C:\Users\Wendy\Documents\wwn20\Lit review\Figures\sumioka2001-3.jpg"/>
           <p:cNvPicPr>
             <a:picLocks noChangeAspect="1" noChangeArrowheads="1"/>
           </p:cNvPicPr>
@@ -3164,7 +3162,7 @@
         </p:blipFill>
         <p:spPr bwMode="auto">
           <a:xfrm>
-            <a:off x="277193" y="2196133"/>
+            <a:off x="2719957" y="-30092"/>
             <a:ext cx="4660900" cy="3454400"/>
           </a:xfrm>
           <a:prstGeom prst="rect">
@@ -3184,13 +3182,13 @@
       </p:pic>
       <p:sp>
         <p:nvSpPr>
-          <p:cNvPr id="32" name="TextBox 31"/>
+          <p:cNvPr id="16" name="TextBox 15"/>
           <p:cNvSpPr txBox="1"/>
           <p:nvPr/>
         </p:nvSpPr>
         <p:spPr>
           <a:xfrm>
-            <a:off x="-78378" y="-108123"/>
+            <a:off x="-78378" y="53727"/>
             <a:ext cx="684076" cy="477054"/>
           </a:xfrm>
           <a:prstGeom prst="rect">
@@ -3214,13 +3212,13 @@
       </p:sp>
       <p:sp>
         <p:nvSpPr>
-          <p:cNvPr id="33" name="TextBox 32"/>
+          <p:cNvPr id="17" name="TextBox 16"/>
           <p:cNvSpPr txBox="1"/>
           <p:nvPr/>
         </p:nvSpPr>
         <p:spPr>
           <a:xfrm>
-            <a:off x="-78378" y="2202821"/>
+            <a:off x="2739059" y="-23404"/>
             <a:ext cx="684076" cy="477054"/>
           </a:xfrm>
           <a:prstGeom prst="rect">

--- a/Chapter2/Figures/Fig21.pptx
+++ b/Chapter2/Figures/Fig21.pptx
@@ -288,7 +288,7 @@
           <a:p>
             <a:fld id="{30BB0822-4451-47E7-A0E9-186AA8DFE7DA}" type="datetimeFigureOut">
               <a:rPr lang="en-GB" smtClean="0"/>
-              <a:t>01/09/2014</a:t>
+              <a:t>26/09/2014</a:t>
             </a:fld>
             <a:endParaRPr lang="en-GB"/>
           </a:p>
@@ -458,7 +458,7 @@
           <a:p>
             <a:fld id="{30BB0822-4451-47E7-A0E9-186AA8DFE7DA}" type="datetimeFigureOut">
               <a:rPr lang="en-GB" smtClean="0"/>
-              <a:t>01/09/2014</a:t>
+              <a:t>26/09/2014</a:t>
             </a:fld>
             <a:endParaRPr lang="en-GB"/>
           </a:p>
@@ -638,7 +638,7 @@
           <a:p>
             <a:fld id="{30BB0822-4451-47E7-A0E9-186AA8DFE7DA}" type="datetimeFigureOut">
               <a:rPr lang="en-GB" smtClean="0"/>
-              <a:t>01/09/2014</a:t>
+              <a:t>26/09/2014</a:t>
             </a:fld>
             <a:endParaRPr lang="en-GB"/>
           </a:p>
@@ -808,7 +808,7 @@
           <a:p>
             <a:fld id="{30BB0822-4451-47E7-A0E9-186AA8DFE7DA}" type="datetimeFigureOut">
               <a:rPr lang="en-GB" smtClean="0"/>
-              <a:t>01/09/2014</a:t>
+              <a:t>26/09/2014</a:t>
             </a:fld>
             <a:endParaRPr lang="en-GB"/>
           </a:p>
@@ -1054,7 +1054,7 @@
           <a:p>
             <a:fld id="{30BB0822-4451-47E7-A0E9-186AA8DFE7DA}" type="datetimeFigureOut">
               <a:rPr lang="en-GB" smtClean="0"/>
-              <a:t>01/09/2014</a:t>
+              <a:t>26/09/2014</a:t>
             </a:fld>
             <a:endParaRPr lang="en-GB"/>
           </a:p>
@@ -1342,7 +1342,7 @@
           <a:p>
             <a:fld id="{30BB0822-4451-47E7-A0E9-186AA8DFE7DA}" type="datetimeFigureOut">
               <a:rPr lang="en-GB" smtClean="0"/>
-              <a:t>01/09/2014</a:t>
+              <a:t>26/09/2014</a:t>
             </a:fld>
             <a:endParaRPr lang="en-GB"/>
           </a:p>
@@ -1769,7 +1769,7 @@
           <a:p>
             <a:fld id="{30BB0822-4451-47E7-A0E9-186AA8DFE7DA}" type="datetimeFigureOut">
               <a:rPr lang="en-GB" smtClean="0"/>
-              <a:t>01/09/2014</a:t>
+              <a:t>26/09/2014</a:t>
             </a:fld>
             <a:endParaRPr lang="en-GB"/>
           </a:p>
@@ -1887,7 +1887,7 @@
           <a:p>
             <a:fld id="{30BB0822-4451-47E7-A0E9-186AA8DFE7DA}" type="datetimeFigureOut">
               <a:rPr lang="en-GB" smtClean="0"/>
-              <a:t>01/09/2014</a:t>
+              <a:t>26/09/2014</a:t>
             </a:fld>
             <a:endParaRPr lang="en-GB"/>
           </a:p>
@@ -1982,7 +1982,7 @@
           <a:p>
             <a:fld id="{30BB0822-4451-47E7-A0E9-186AA8DFE7DA}" type="datetimeFigureOut">
               <a:rPr lang="en-GB" smtClean="0"/>
-              <a:t>01/09/2014</a:t>
+              <a:t>26/09/2014</a:t>
             </a:fld>
             <a:endParaRPr lang="en-GB"/>
           </a:p>
@@ -2259,7 +2259,7 @@
           <a:p>
             <a:fld id="{30BB0822-4451-47E7-A0E9-186AA8DFE7DA}" type="datetimeFigureOut">
               <a:rPr lang="en-GB" smtClean="0"/>
-              <a:t>01/09/2014</a:t>
+              <a:t>26/09/2014</a:t>
             </a:fld>
             <a:endParaRPr lang="en-GB"/>
           </a:p>
@@ -2512,7 +2512,7 @@
           <a:p>
             <a:fld id="{30BB0822-4451-47E7-A0E9-186AA8DFE7DA}" type="datetimeFigureOut">
               <a:rPr lang="en-GB" smtClean="0"/>
-              <a:t>01/09/2014</a:t>
+              <a:t>26/09/2014</a:t>
             </a:fld>
             <a:endParaRPr lang="en-GB"/>
           </a:p>
@@ -2725,7 +2725,7 @@
           <a:p>
             <a:fld id="{30BB0822-4451-47E7-A0E9-186AA8DFE7DA}" type="datetimeFigureOut">
               <a:rPr lang="en-GB" smtClean="0"/>
-              <a:t>01/09/2014</a:t>
+              <a:t>26/09/2014</a:t>
             </a:fld>
             <a:endParaRPr lang="en-GB"/>
           </a:p>
@@ -3121,7 +3121,7 @@
         </p:blipFill>
         <p:spPr bwMode="auto">
           <a:xfrm>
-            <a:off x="-251991" y="310683"/>
+            <a:off x="-251991" y="527327"/>
             <a:ext cx="3005892" cy="2479348"/>
           </a:xfrm>
           <a:prstGeom prst="rect">
@@ -3188,7 +3188,7 @@
         </p:nvSpPr>
         <p:spPr>
           <a:xfrm>
-            <a:off x="-78378" y="53727"/>
+            <a:off x="-78378" y="270371"/>
             <a:ext cx="684076" cy="477054"/>
           </a:xfrm>
           <a:prstGeom prst="rect">
